--- a/2023/01解决方案/九音典型方案新汇总/Soundec 无线降噪麦克风解决方案-V0.1-白.pptx
+++ b/2023/01解决方案/九音典型方案新汇总/Soundec 无线降噪麦克风解决方案-V0.1-白.pptx
@@ -268,7 +268,7 @@
           <a:p>
             <a:fld id="{1C677AD7-C65F-4FC9-8BB3-46357C9429F2}" type="datetimeFigureOut">
               <a:rPr lang="zh-CN" altLang="en-US" smtClean="0"/>
-              <a:t>2023/5/16</a:t>
+              <a:t>2023/5/18</a:t>
             </a:fld>
             <a:endParaRPr lang="zh-CN" altLang="en-US"/>
           </a:p>
@@ -466,7 +466,7 @@
           <a:p>
             <a:fld id="{1C677AD7-C65F-4FC9-8BB3-46357C9429F2}" type="datetimeFigureOut">
               <a:rPr lang="zh-CN" altLang="en-US" smtClean="0"/>
-              <a:t>2023/5/16</a:t>
+              <a:t>2023/5/18</a:t>
             </a:fld>
             <a:endParaRPr lang="zh-CN" altLang="en-US"/>
           </a:p>
@@ -674,7 +674,7 @@
           <a:p>
             <a:fld id="{1C677AD7-C65F-4FC9-8BB3-46357C9429F2}" type="datetimeFigureOut">
               <a:rPr lang="zh-CN" altLang="en-US" smtClean="0"/>
-              <a:t>2023/5/16</a:t>
+              <a:t>2023/5/18</a:t>
             </a:fld>
             <a:endParaRPr lang="zh-CN" altLang="en-US"/>
           </a:p>
@@ -876,7 +876,7 @@
           <a:p>
             <a:fld id="{07E6D9B0-6846-490C-A8D0-DD8E0BD6F7A7}" type="datetimeFigureOut">
               <a:rPr lang="zh-CN" altLang="en-US" smtClean="0"/>
-              <a:t>2023/5/16</a:t>
+              <a:t>2023/5/18</a:t>
             </a:fld>
             <a:endParaRPr lang="zh-CN" altLang="en-US"/>
           </a:p>
@@ -1044,7 +1044,7 @@
           <a:p>
             <a:fld id="{07E6D9B0-6846-490C-A8D0-DD8E0BD6F7A7}" type="datetimeFigureOut">
               <a:rPr lang="zh-CN" altLang="en-US" smtClean="0"/>
-              <a:t>2023/5/16</a:t>
+              <a:t>2023/5/18</a:t>
             </a:fld>
             <a:endParaRPr lang="zh-CN" altLang="en-US"/>
           </a:p>
@@ -1289,7 +1289,7 @@
           <a:p>
             <a:fld id="{07E6D9B0-6846-490C-A8D0-DD8E0BD6F7A7}" type="datetimeFigureOut">
               <a:rPr lang="zh-CN" altLang="en-US" smtClean="0"/>
-              <a:t>2023/5/16</a:t>
+              <a:t>2023/5/18</a:t>
             </a:fld>
             <a:endParaRPr lang="zh-CN" altLang="en-US"/>
           </a:p>
@@ -1518,7 +1518,7 @@
           <a:p>
             <a:fld id="{07E6D9B0-6846-490C-A8D0-DD8E0BD6F7A7}" type="datetimeFigureOut">
               <a:rPr lang="zh-CN" altLang="en-US" smtClean="0"/>
-              <a:t>2023/5/16</a:t>
+              <a:t>2023/5/18</a:t>
             </a:fld>
             <a:endParaRPr lang="zh-CN" altLang="en-US"/>
           </a:p>
@@ -1882,7 +1882,7 @@
           <a:p>
             <a:fld id="{07E6D9B0-6846-490C-A8D0-DD8E0BD6F7A7}" type="datetimeFigureOut">
               <a:rPr lang="zh-CN" altLang="en-US" smtClean="0"/>
-              <a:t>2023/5/16</a:t>
+              <a:t>2023/5/18</a:t>
             </a:fld>
             <a:endParaRPr lang="zh-CN" altLang="en-US"/>
           </a:p>
@@ -1999,7 +1999,7 @@
           <a:p>
             <a:fld id="{07E6D9B0-6846-490C-A8D0-DD8E0BD6F7A7}" type="datetimeFigureOut">
               <a:rPr lang="zh-CN" altLang="en-US" smtClean="0"/>
-              <a:t>2023/5/16</a:t>
+              <a:t>2023/5/18</a:t>
             </a:fld>
             <a:endParaRPr lang="zh-CN" altLang="en-US"/>
           </a:p>
@@ -2094,7 +2094,7 @@
           <a:p>
             <a:fld id="{07E6D9B0-6846-490C-A8D0-DD8E0BD6F7A7}" type="datetimeFigureOut">
               <a:rPr lang="zh-CN" altLang="en-US" smtClean="0"/>
-              <a:t>2023/5/16</a:t>
+              <a:t>2023/5/18</a:t>
             </a:fld>
             <a:endParaRPr lang="zh-CN" altLang="en-US"/>
           </a:p>
@@ -2369,7 +2369,7 @@
           <a:p>
             <a:fld id="{07E6D9B0-6846-490C-A8D0-DD8E0BD6F7A7}" type="datetimeFigureOut">
               <a:rPr lang="zh-CN" altLang="en-US" smtClean="0"/>
-              <a:t>2023/5/16</a:t>
+              <a:t>2023/5/18</a:t>
             </a:fld>
             <a:endParaRPr lang="zh-CN" altLang="en-US"/>
           </a:p>
@@ -2555,7 +2555,7 @@
           <a:p>
             <a:fld id="{1C677AD7-C65F-4FC9-8BB3-46357C9429F2}" type="datetimeFigureOut">
               <a:rPr lang="zh-CN" altLang="en-US" smtClean="0"/>
-              <a:t>2023/5/16</a:t>
+              <a:t>2023/5/18</a:t>
             </a:fld>
             <a:endParaRPr lang="zh-CN" altLang="en-US"/>
           </a:p>
@@ -2819,7 +2819,7 @@
           <a:p>
             <a:fld id="{07E6D9B0-6846-490C-A8D0-DD8E0BD6F7A7}" type="datetimeFigureOut">
               <a:rPr lang="zh-CN" altLang="en-US" smtClean="0"/>
-              <a:t>2023/5/16</a:t>
+              <a:t>2023/5/18</a:t>
             </a:fld>
             <a:endParaRPr lang="zh-CN" altLang="en-US"/>
           </a:p>
@@ -2987,7 +2987,7 @@
           <a:p>
             <a:fld id="{07E6D9B0-6846-490C-A8D0-DD8E0BD6F7A7}" type="datetimeFigureOut">
               <a:rPr lang="zh-CN" altLang="en-US" smtClean="0"/>
-              <a:t>2023/5/16</a:t>
+              <a:t>2023/5/18</a:t>
             </a:fld>
             <a:endParaRPr lang="zh-CN" altLang="en-US"/>
           </a:p>
@@ -3165,7 +3165,7 @@
           <a:p>
             <a:fld id="{07E6D9B0-6846-490C-A8D0-DD8E0BD6F7A7}" type="datetimeFigureOut">
               <a:rPr lang="zh-CN" altLang="en-US" smtClean="0"/>
-              <a:t>2023/5/16</a:t>
+              <a:t>2023/5/18</a:t>
             </a:fld>
             <a:endParaRPr lang="zh-CN" altLang="en-US"/>
           </a:p>
@@ -3428,7 +3428,7 @@
           <a:p>
             <a:fld id="{1C677AD7-C65F-4FC9-8BB3-46357C9429F2}" type="datetimeFigureOut">
               <a:rPr lang="zh-CN" altLang="en-US" smtClean="0"/>
-              <a:t>2023/5/16</a:t>
+              <a:t>2023/5/18</a:t>
             </a:fld>
             <a:endParaRPr lang="zh-CN" altLang="en-US"/>
           </a:p>
@@ -3693,7 +3693,7 @@
           <a:p>
             <a:fld id="{1C677AD7-C65F-4FC9-8BB3-46357C9429F2}" type="datetimeFigureOut">
               <a:rPr lang="zh-CN" altLang="en-US" smtClean="0"/>
-              <a:t>2023/5/16</a:t>
+              <a:t>2023/5/18</a:t>
             </a:fld>
             <a:endParaRPr lang="zh-CN" altLang="en-US"/>
           </a:p>
@@ -4105,7 +4105,7 @@
           <a:p>
             <a:fld id="{1C677AD7-C65F-4FC9-8BB3-46357C9429F2}" type="datetimeFigureOut">
               <a:rPr lang="zh-CN" altLang="en-US" smtClean="0"/>
-              <a:t>2023/5/16</a:t>
+              <a:t>2023/5/18</a:t>
             </a:fld>
             <a:endParaRPr lang="zh-CN" altLang="en-US"/>
           </a:p>
@@ -4246,7 +4246,7 @@
           <a:p>
             <a:fld id="{1C677AD7-C65F-4FC9-8BB3-46357C9429F2}" type="datetimeFigureOut">
               <a:rPr lang="zh-CN" altLang="en-US" smtClean="0"/>
-              <a:t>2023/5/16</a:t>
+              <a:t>2023/5/18</a:t>
             </a:fld>
             <a:endParaRPr lang="zh-CN" altLang="en-US"/>
           </a:p>
@@ -4359,7 +4359,7 @@
           <a:p>
             <a:fld id="{1C677AD7-C65F-4FC9-8BB3-46357C9429F2}" type="datetimeFigureOut">
               <a:rPr lang="zh-CN" altLang="en-US" smtClean="0"/>
-              <a:t>2023/5/16</a:t>
+              <a:t>2023/5/18</a:t>
             </a:fld>
             <a:endParaRPr lang="zh-CN" altLang="en-US"/>
           </a:p>
@@ -4670,7 +4670,7 @@
           <a:p>
             <a:fld id="{1C677AD7-C65F-4FC9-8BB3-46357C9429F2}" type="datetimeFigureOut">
               <a:rPr lang="zh-CN" altLang="en-US" smtClean="0"/>
-              <a:t>2023/5/16</a:t>
+              <a:t>2023/5/18</a:t>
             </a:fld>
             <a:endParaRPr lang="zh-CN" altLang="en-US"/>
           </a:p>
@@ -4958,7 +4958,7 @@
           <a:p>
             <a:fld id="{1C677AD7-C65F-4FC9-8BB3-46357C9429F2}" type="datetimeFigureOut">
               <a:rPr lang="zh-CN" altLang="en-US" smtClean="0"/>
-              <a:t>2023/5/16</a:t>
+              <a:t>2023/5/18</a:t>
             </a:fld>
             <a:endParaRPr lang="zh-CN" altLang="en-US"/>
           </a:p>
@@ -5199,7 +5199,7 @@
           <a:p>
             <a:fld id="{1C677AD7-C65F-4FC9-8BB3-46357C9429F2}" type="datetimeFigureOut">
               <a:rPr lang="zh-CN" altLang="en-US" smtClean="0"/>
-              <a:t>2023/5/16</a:t>
+              <a:t>2023/5/18</a:t>
             </a:fld>
             <a:endParaRPr lang="zh-CN" altLang="en-US"/>
           </a:p>
@@ -5749,7 +5749,7 @@
           <a:p>
             <a:fld id="{07E6D9B0-6846-490C-A8D0-DD8E0BD6F7A7}" type="datetimeFigureOut">
               <a:rPr lang="zh-CN" altLang="en-US" smtClean="0"/>
-              <a:t>2023/5/16</a:t>
+              <a:t>2023/5/18</a:t>
             </a:fld>
             <a:endParaRPr lang="zh-CN" altLang="en-US"/>
           </a:p>
